--- a/lesson06/Classes/Classes.pptx
+++ b/lesson06/Classes/Classes.pptx
@@ -5,7 +5,7 @@
     <p:sldMasterId id="2147483648" r:id="rId1"/>
   </p:sldMasterIdLst>
   <p:notesMasterIdLst>
-    <p:notesMasterId r:id="rId12"/>
+    <p:notesMasterId r:id="rId16"/>
   </p:notesMasterIdLst>
   <p:sldIdLst>
     <p:sldId id="256" r:id="rId2"/>
@@ -18,6 +18,10 @@
     <p:sldId id="264" r:id="rId9"/>
     <p:sldId id="263" r:id="rId10"/>
     <p:sldId id="266" r:id="rId11"/>
+    <p:sldId id="509" r:id="rId12"/>
+    <p:sldId id="268" r:id="rId13"/>
+    <p:sldId id="510" r:id="rId14"/>
+    <p:sldId id="267" r:id="rId15"/>
   </p:sldIdLst>
   <p:sldSz cx="12192000" cy="6858000"/>
   <p:notesSz cx="6858000" cy="9144000"/>
@@ -116,6 +120,11 @@
       </a:defRPr>
     </a:lvl9pPr>
   </p:defaultTextStyle>
+  <p:extLst>
+    <p:ext uri="{EFAFB233-063F-42B5-8137-9DF3F51BA10A}">
+      <p15:sldGuideLst xmlns:p15="http://schemas.microsoft.com/office/powerpoint/2012/main"/>
+    </p:ext>
+  </p:extLst>
 </p:presentation>
 </file>
 
@@ -201,7 +210,7 @@
           <a:p>
             <a:fld id="{7AE2CED0-0053-4CA5-BBA9-1B4221C85B40}" type="datetimeFigureOut">
               <a:rPr lang="en-US" smtClean="0"/>
-              <a:t>7/21/2025</a:t>
+              <a:t>24-Jul-25</a:t>
             </a:fld>
             <a:endParaRPr lang="en-US"/>
           </a:p>
@@ -749,6 +758,205 @@
 </p:notes>
 </file>
 
+<file path=ppt/notesSlides/notesSlide4.xml><?xml version="1.0" encoding="utf-8"?>
+<p:notes xmlns:a="http://schemas.openxmlformats.org/drawingml/2006/main" xmlns:r="http://schemas.openxmlformats.org/officeDocument/2006/relationships" xmlns:p="http://schemas.openxmlformats.org/presentationml/2006/main">
+  <p:cSld>
+    <p:spTree>
+      <p:nvGrpSpPr>
+        <p:cNvPr id="1" name=""/>
+        <p:cNvGrpSpPr/>
+        <p:nvPr/>
+      </p:nvGrpSpPr>
+      <p:grpSpPr>
+        <a:xfrm>
+          <a:off x="0" y="0"/>
+          <a:ext cx="0" cy="0"/>
+          <a:chOff x="0" y="0"/>
+          <a:chExt cx="0" cy="0"/>
+        </a:xfrm>
+      </p:grpSpPr>
+      <p:sp>
+        <p:nvSpPr>
+          <p:cNvPr id="2" name="Slide Image Placeholder 1"/>
+          <p:cNvSpPr>
+            <a:spLocks noGrp="1" noRot="1" noChangeAspect="1"/>
+          </p:cNvSpPr>
+          <p:nvPr>
+            <p:ph type="sldImg"/>
+          </p:nvPr>
+        </p:nvSpPr>
+        <p:spPr/>
+      </p:sp>
+      <p:sp>
+        <p:nvSpPr>
+          <p:cNvPr id="3" name="Notes Placeholder 2"/>
+          <p:cNvSpPr>
+            <a:spLocks noGrp="1"/>
+          </p:cNvSpPr>
+          <p:nvPr>
+            <p:ph type="body" idx="1"/>
+          </p:nvPr>
+        </p:nvSpPr>
+        <p:spPr/>
+        <p:txBody>
+          <a:bodyPr/>
+          <a:lstStyle/>
+          <a:p>
+            <a:r>
+              <a:rPr lang="en-US" baseline="30000" dirty="0"/>
+              <a:t>1 </a:t>
+            </a:r>
+            <a:r>
+              <a:rPr lang="en-US" dirty="0"/>
+              <a:t>https://docs.python.org/3/reference/datamodel.html#basic-customization</a:t>
+            </a:r>
+          </a:p>
+        </p:txBody>
+      </p:sp>
+      <p:sp>
+        <p:nvSpPr>
+          <p:cNvPr id="4" name="Slide Number Placeholder 3"/>
+          <p:cNvSpPr>
+            <a:spLocks noGrp="1"/>
+          </p:cNvSpPr>
+          <p:nvPr>
+            <p:ph type="sldNum" sz="quarter" idx="5"/>
+          </p:nvPr>
+        </p:nvSpPr>
+        <p:spPr/>
+        <p:txBody>
+          <a:bodyPr/>
+          <a:lstStyle/>
+          <a:p>
+            <a:fld id="{84410795-42AE-41C2-B777-14342A77114C}" type="slidenum">
+              <a:rPr lang="en-US" smtClean="0"/>
+              <a:t>10</a:t>
+            </a:fld>
+            <a:endParaRPr lang="en-US"/>
+          </a:p>
+        </p:txBody>
+      </p:sp>
+    </p:spTree>
+    <p:extLst>
+      <p:ext uri="{BB962C8B-B14F-4D97-AF65-F5344CB8AC3E}">
+        <p14:creationId xmlns:p14="http://schemas.microsoft.com/office/powerpoint/2010/main" val="617758033"/>
+      </p:ext>
+    </p:extLst>
+  </p:cSld>
+  <p:clrMapOvr>
+    <a:masterClrMapping/>
+  </p:clrMapOvr>
+</p:notes>
+</file>
+
+<file path=ppt/notesSlides/notesSlide5.xml><?xml version="1.0" encoding="utf-8"?>
+<p:notes xmlns:a="http://schemas.openxmlformats.org/drawingml/2006/main" xmlns:r="http://schemas.openxmlformats.org/officeDocument/2006/relationships" xmlns:p="http://schemas.openxmlformats.org/presentationml/2006/main">
+  <p:cSld>
+    <p:spTree>
+      <p:nvGrpSpPr>
+        <p:cNvPr id="1" name="">
+          <a:extLst>
+            <a:ext uri="{FF2B5EF4-FFF2-40B4-BE49-F238E27FC236}">
+              <a16:creationId xmlns:a16="http://schemas.microsoft.com/office/drawing/2014/main" id="{DA8DFE7D-F7DB-A08D-6069-3C8592C2A4FE}"/>
+            </a:ext>
+          </a:extLst>
+        </p:cNvPr>
+        <p:cNvGrpSpPr/>
+        <p:nvPr/>
+      </p:nvGrpSpPr>
+      <p:grpSpPr>
+        <a:xfrm>
+          <a:off x="0" y="0"/>
+          <a:ext cx="0" cy="0"/>
+          <a:chOff x="0" y="0"/>
+          <a:chExt cx="0" cy="0"/>
+        </a:xfrm>
+      </p:grpSpPr>
+      <p:sp>
+        <p:nvSpPr>
+          <p:cNvPr id="2" name="Slide Image Placeholder 1">
+            <a:extLst>
+              <a:ext uri="{FF2B5EF4-FFF2-40B4-BE49-F238E27FC236}">
+                <a16:creationId xmlns:a16="http://schemas.microsoft.com/office/drawing/2014/main" id="{EC36F55C-2FB1-D876-429B-93331F9F3BE0}"/>
+              </a:ext>
+            </a:extLst>
+          </p:cNvPr>
+          <p:cNvSpPr>
+            <a:spLocks noGrp="1" noRot="1" noChangeAspect="1"/>
+          </p:cNvSpPr>
+          <p:nvPr>
+            <p:ph type="sldImg"/>
+          </p:nvPr>
+        </p:nvSpPr>
+        <p:spPr/>
+      </p:sp>
+      <p:sp>
+        <p:nvSpPr>
+          <p:cNvPr id="3" name="Notes Placeholder 2">
+            <a:extLst>
+              <a:ext uri="{FF2B5EF4-FFF2-40B4-BE49-F238E27FC236}">
+                <a16:creationId xmlns:a16="http://schemas.microsoft.com/office/drawing/2014/main" id="{EDC6E452-4B50-54A6-CCB5-AC4FE1607D30}"/>
+              </a:ext>
+            </a:extLst>
+          </p:cNvPr>
+          <p:cNvSpPr>
+            <a:spLocks noGrp="1"/>
+          </p:cNvSpPr>
+          <p:nvPr>
+            <p:ph type="body" idx="1"/>
+          </p:nvPr>
+        </p:nvSpPr>
+        <p:spPr/>
+        <p:txBody>
+          <a:bodyPr/>
+          <a:lstStyle/>
+          <a:p>
+            <a:endParaRPr lang="en-US" dirty="0"/>
+          </a:p>
+        </p:txBody>
+      </p:sp>
+      <p:sp>
+        <p:nvSpPr>
+          <p:cNvPr id="4" name="Slide Number Placeholder 3">
+            <a:extLst>
+              <a:ext uri="{FF2B5EF4-FFF2-40B4-BE49-F238E27FC236}">
+                <a16:creationId xmlns:a16="http://schemas.microsoft.com/office/drawing/2014/main" id="{8E4FECCB-8479-2F89-9338-278D085DEFE9}"/>
+              </a:ext>
+            </a:extLst>
+          </p:cNvPr>
+          <p:cNvSpPr>
+            <a:spLocks noGrp="1"/>
+          </p:cNvSpPr>
+          <p:nvPr>
+            <p:ph type="sldNum" sz="quarter" idx="5"/>
+          </p:nvPr>
+        </p:nvSpPr>
+        <p:spPr/>
+        <p:txBody>
+          <a:bodyPr/>
+          <a:lstStyle/>
+          <a:p>
+            <a:fld id="{84410795-42AE-41C2-B777-14342A77114C}" type="slidenum">
+              <a:rPr lang="en-US" smtClean="0"/>
+              <a:t>14</a:t>
+            </a:fld>
+            <a:endParaRPr lang="en-US"/>
+          </a:p>
+        </p:txBody>
+      </p:sp>
+    </p:spTree>
+    <p:extLst>
+      <p:ext uri="{BB962C8B-B14F-4D97-AF65-F5344CB8AC3E}">
+        <p14:creationId xmlns:p14="http://schemas.microsoft.com/office/powerpoint/2010/main" val="4000807975"/>
+      </p:ext>
+    </p:extLst>
+  </p:cSld>
+  <p:clrMapOvr>
+    <a:masterClrMapping/>
+  </p:clrMapOvr>
+</p:notes>
+</file>
+
 <file path=ppt/slideLayouts/slideLayout1.xml><?xml version="1.0" encoding="utf-8"?>
 <p:sldLayout xmlns:a="http://schemas.openxmlformats.org/drawingml/2006/main" xmlns:r="http://schemas.openxmlformats.org/officeDocument/2006/relationships" xmlns:p="http://schemas.openxmlformats.org/presentationml/2006/main" type="title" preserve="1">
   <p:cSld name="Title Slide">
@@ -896,7 +1104,7 @@
           <a:p>
             <a:fld id="{0BCBADB4-C04F-4E32-9A86-DF1B5AA91BC6}" type="datetimeFigureOut">
               <a:rPr lang="en-US" smtClean="0"/>
-              <a:t>7/21/2025</a:t>
+              <a:t>24-Jul-25</a:t>
             </a:fld>
             <a:endParaRPr lang="en-US"/>
           </a:p>
@@ -1094,7 +1302,7 @@
           <a:p>
             <a:fld id="{0BCBADB4-C04F-4E32-9A86-DF1B5AA91BC6}" type="datetimeFigureOut">
               <a:rPr lang="en-US" smtClean="0"/>
-              <a:t>7/21/2025</a:t>
+              <a:t>24-Jul-25</a:t>
             </a:fld>
             <a:endParaRPr lang="en-US"/>
           </a:p>
@@ -1302,7 +1510,7 @@
           <a:p>
             <a:fld id="{0BCBADB4-C04F-4E32-9A86-DF1B5AA91BC6}" type="datetimeFigureOut">
               <a:rPr lang="en-US" smtClean="0"/>
-              <a:t>7/21/2025</a:t>
+              <a:t>24-Jul-25</a:t>
             </a:fld>
             <a:endParaRPr lang="en-US"/>
           </a:p>
@@ -1500,7 +1708,7 @@
           <a:p>
             <a:fld id="{0BCBADB4-C04F-4E32-9A86-DF1B5AA91BC6}" type="datetimeFigureOut">
               <a:rPr lang="en-US" smtClean="0"/>
-              <a:t>7/21/2025</a:t>
+              <a:t>24-Jul-25</a:t>
             </a:fld>
             <a:endParaRPr lang="en-US"/>
           </a:p>
@@ -1775,7 +1983,7 @@
           <a:p>
             <a:fld id="{0BCBADB4-C04F-4E32-9A86-DF1B5AA91BC6}" type="datetimeFigureOut">
               <a:rPr lang="en-US" smtClean="0"/>
-              <a:t>7/21/2025</a:t>
+              <a:t>24-Jul-25</a:t>
             </a:fld>
             <a:endParaRPr lang="en-US"/>
           </a:p>
@@ -2040,7 +2248,7 @@
           <a:p>
             <a:fld id="{0BCBADB4-C04F-4E32-9A86-DF1B5AA91BC6}" type="datetimeFigureOut">
               <a:rPr lang="en-US" smtClean="0"/>
-              <a:t>7/21/2025</a:t>
+              <a:t>24-Jul-25</a:t>
             </a:fld>
             <a:endParaRPr lang="en-US"/>
           </a:p>
@@ -2452,7 +2660,7 @@
           <a:p>
             <a:fld id="{0BCBADB4-C04F-4E32-9A86-DF1B5AA91BC6}" type="datetimeFigureOut">
               <a:rPr lang="en-US" smtClean="0"/>
-              <a:t>7/21/2025</a:t>
+              <a:t>24-Jul-25</a:t>
             </a:fld>
             <a:endParaRPr lang="en-US"/>
           </a:p>
@@ -2593,7 +2801,7 @@
           <a:p>
             <a:fld id="{0BCBADB4-C04F-4E32-9A86-DF1B5AA91BC6}" type="datetimeFigureOut">
               <a:rPr lang="en-US" smtClean="0"/>
-              <a:t>7/21/2025</a:t>
+              <a:t>24-Jul-25</a:t>
             </a:fld>
             <a:endParaRPr lang="en-US"/>
           </a:p>
@@ -2706,7 +2914,7 @@
           <a:p>
             <a:fld id="{0BCBADB4-C04F-4E32-9A86-DF1B5AA91BC6}" type="datetimeFigureOut">
               <a:rPr lang="en-US" smtClean="0"/>
-              <a:t>7/21/2025</a:t>
+              <a:t>24-Jul-25</a:t>
             </a:fld>
             <a:endParaRPr lang="en-US"/>
           </a:p>
@@ -3017,7 +3225,7 @@
           <a:p>
             <a:fld id="{0BCBADB4-C04F-4E32-9A86-DF1B5AA91BC6}" type="datetimeFigureOut">
               <a:rPr lang="en-US" smtClean="0"/>
-              <a:t>7/21/2025</a:t>
+              <a:t>24-Jul-25</a:t>
             </a:fld>
             <a:endParaRPr lang="en-US"/>
           </a:p>
@@ -3305,7 +3513,7 @@
           <a:p>
             <a:fld id="{0BCBADB4-C04F-4E32-9A86-DF1B5AA91BC6}" type="datetimeFigureOut">
               <a:rPr lang="en-US" smtClean="0"/>
-              <a:t>7/21/2025</a:t>
+              <a:t>24-Jul-25</a:t>
             </a:fld>
             <a:endParaRPr lang="en-US"/>
           </a:p>
@@ -3546,7 +3754,7 @@
           <a:p>
             <a:fld id="{0BCBADB4-C04F-4E32-9A86-DF1B5AA91BC6}" type="datetimeFigureOut">
               <a:rPr lang="en-US" smtClean="0"/>
-              <a:t>7/21/2025</a:t>
+              <a:t>24-Jul-25</a:t>
             </a:fld>
             <a:endParaRPr lang="en-US"/>
           </a:p>
@@ -4070,7 +4278,10 @@
           <a:bodyPr/>
           <a:lstStyle/>
           <a:p>
-            <a:endParaRPr lang="en-US"/>
+            <a:r>
+              <a:rPr lang="en-US" dirty="0"/>
+              <a:t>Magic Methods and Overloads</a:t>
+            </a:r>
           </a:p>
         </p:txBody>
       </p:sp>
@@ -4090,12 +4301,313 @@
             <p:ph sz="half" idx="1"/>
           </p:nvPr>
         </p:nvSpPr>
-        <p:spPr/>
-        <p:txBody>
-          <a:bodyPr/>
-          <a:lstStyle/>
-          <a:p>
-            <a:endParaRPr lang="en-US"/>
+        <p:spPr>
+          <a:xfrm>
+            <a:off x="838200" y="1825624"/>
+            <a:ext cx="5181600" cy="4749347"/>
+          </a:xfrm>
+        </p:spPr>
+        <p:txBody>
+          <a:bodyPr>
+            <a:normAutofit fontScale="55000" lnSpcReduction="20000"/>
+          </a:bodyPr>
+          <a:lstStyle/>
+          <a:p>
+            <a:r>
+              <a:rPr lang="en-US" dirty="0"/>
+              <a:t>Python has many “magic methods” built-in</a:t>
+            </a:r>
+            <a:r>
+              <a:rPr lang="en-US" baseline="30000" dirty="0"/>
+              <a:t>1</a:t>
+            </a:r>
+            <a:endParaRPr lang="en-US" dirty="0"/>
+          </a:p>
+          <a:p>
+            <a:r>
+              <a:rPr lang="en-US" dirty="0"/>
+              <a:t>'__bool__’, </a:t>
+            </a:r>
+            <a:br>
+              <a:rPr lang="en-US" dirty="0"/>
+            </a:br>
+            <a:r>
+              <a:rPr lang="en-US" dirty="0"/>
+              <a:t>'__class__’, </a:t>
+            </a:r>
+            <a:br>
+              <a:rPr lang="en-US" dirty="0"/>
+            </a:br>
+            <a:r>
+              <a:rPr lang="en-US" dirty="0"/>
+              <a:t>'__</a:t>
+            </a:r>
+            <a:r>
+              <a:rPr lang="en-US" dirty="0" err="1"/>
+              <a:t>delattr</a:t>
+            </a:r>
+            <a:r>
+              <a:rPr lang="en-US" dirty="0"/>
+              <a:t>__’, </a:t>
+            </a:r>
+            <a:br>
+              <a:rPr lang="en-US" dirty="0"/>
+            </a:br>
+            <a:r>
+              <a:rPr lang="en-US" dirty="0"/>
+              <a:t>'__</a:t>
+            </a:r>
+            <a:r>
+              <a:rPr lang="en-US" dirty="0" err="1"/>
+              <a:t>dir</a:t>
+            </a:r>
+            <a:r>
+              <a:rPr lang="en-US" dirty="0"/>
+              <a:t>__’, </a:t>
+            </a:r>
+            <a:br>
+              <a:rPr lang="en-US" dirty="0"/>
+            </a:br>
+            <a:r>
+              <a:rPr lang="en-US" dirty="0"/>
+              <a:t>'__doc__’, </a:t>
+            </a:r>
+            <a:br>
+              <a:rPr lang="en-US" dirty="0"/>
+            </a:br>
+            <a:r>
+              <a:rPr lang="en-US" dirty="0"/>
+              <a:t>'__eq__’, </a:t>
+            </a:r>
+            <a:br>
+              <a:rPr lang="en-US" dirty="0"/>
+            </a:br>
+            <a:r>
+              <a:rPr lang="en-US" dirty="0"/>
+              <a:t>'__format__’, </a:t>
+            </a:r>
+            <a:br>
+              <a:rPr lang="en-US" dirty="0"/>
+            </a:br>
+            <a:r>
+              <a:rPr lang="en-US" dirty="0"/>
+              <a:t>'__</a:t>
+            </a:r>
+            <a:r>
+              <a:rPr lang="en-US" dirty="0" err="1"/>
+              <a:t>ge</a:t>
+            </a:r>
+            <a:r>
+              <a:rPr lang="en-US" dirty="0"/>
+              <a:t>__’, </a:t>
+            </a:r>
+            <a:br>
+              <a:rPr lang="en-US" dirty="0"/>
+            </a:br>
+            <a:r>
+              <a:rPr lang="en-US" dirty="0"/>
+              <a:t>'__</a:t>
+            </a:r>
+            <a:r>
+              <a:rPr lang="en-US" dirty="0" err="1"/>
+              <a:t>getattribute</a:t>
+            </a:r>
+            <a:r>
+              <a:rPr lang="en-US" dirty="0"/>
+              <a:t>__’, </a:t>
+            </a:r>
+            <a:br>
+              <a:rPr lang="en-US" dirty="0"/>
+            </a:br>
+            <a:r>
+              <a:rPr lang="en-US" dirty="0"/>
+              <a:t>'__</a:t>
+            </a:r>
+            <a:r>
+              <a:rPr lang="en-US" dirty="0" err="1"/>
+              <a:t>getstate</a:t>
+            </a:r>
+            <a:r>
+              <a:rPr lang="en-US" dirty="0"/>
+              <a:t>__’, </a:t>
+            </a:r>
+            <a:br>
+              <a:rPr lang="en-US" dirty="0"/>
+            </a:br>
+            <a:r>
+              <a:rPr lang="en-US" dirty="0"/>
+              <a:t>'__</a:t>
+            </a:r>
+            <a:r>
+              <a:rPr lang="en-US" dirty="0" err="1"/>
+              <a:t>gt</a:t>
+            </a:r>
+            <a:r>
+              <a:rPr lang="en-US" dirty="0"/>
+              <a:t>__’, </a:t>
+            </a:r>
+            <a:br>
+              <a:rPr lang="en-US" dirty="0"/>
+            </a:br>
+            <a:r>
+              <a:rPr lang="en-US" dirty="0"/>
+              <a:t>'__hash__’, </a:t>
+            </a:r>
+            <a:br>
+              <a:rPr lang="en-US" dirty="0"/>
+            </a:br>
+            <a:r>
+              <a:rPr lang="en-US" dirty="0"/>
+              <a:t>'__</a:t>
+            </a:r>
+            <a:r>
+              <a:rPr lang="en-US" dirty="0" err="1"/>
+              <a:t>init</a:t>
+            </a:r>
+            <a:r>
+              <a:rPr lang="en-US" dirty="0"/>
+              <a:t>__’, </a:t>
+            </a:r>
+            <a:br>
+              <a:rPr lang="en-US" dirty="0"/>
+            </a:br>
+            <a:r>
+              <a:rPr lang="en-US" dirty="0"/>
+              <a:t>'__</a:t>
+            </a:r>
+            <a:r>
+              <a:rPr lang="en-US" dirty="0" err="1"/>
+              <a:t>init_subclass</a:t>
+            </a:r>
+            <a:r>
+              <a:rPr lang="en-US" dirty="0"/>
+              <a:t>__’, </a:t>
+            </a:r>
+            <a:br>
+              <a:rPr lang="en-US" dirty="0"/>
+            </a:br>
+            <a:r>
+              <a:rPr lang="en-US" dirty="0"/>
+              <a:t>'__le__’, </a:t>
+            </a:r>
+            <a:br>
+              <a:rPr lang="en-US" dirty="0"/>
+            </a:br>
+            <a:r>
+              <a:rPr lang="en-US" dirty="0"/>
+              <a:t>'__</a:t>
+            </a:r>
+            <a:r>
+              <a:rPr lang="en-US" dirty="0" err="1"/>
+              <a:t>lt</a:t>
+            </a:r>
+            <a:r>
+              <a:rPr lang="en-US" dirty="0"/>
+              <a:t>__’, </a:t>
+            </a:r>
+            <a:br>
+              <a:rPr lang="en-US" dirty="0"/>
+            </a:br>
+            <a:r>
+              <a:rPr lang="en-US" dirty="0"/>
+              <a:t>'__ne__’, </a:t>
+            </a:r>
+            <a:br>
+              <a:rPr lang="en-US" dirty="0"/>
+            </a:br>
+            <a:r>
+              <a:rPr lang="en-US" dirty="0"/>
+              <a:t>'__new__’, </a:t>
+            </a:r>
+            <a:br>
+              <a:rPr lang="en-US" dirty="0"/>
+            </a:br>
+            <a:r>
+              <a:rPr lang="en-US" dirty="0"/>
+              <a:t>'__reduce__’, </a:t>
+            </a:r>
+            <a:br>
+              <a:rPr lang="en-US" dirty="0"/>
+            </a:br>
+            <a:r>
+              <a:rPr lang="en-US" dirty="0"/>
+              <a:t>'__</a:t>
+            </a:r>
+            <a:r>
+              <a:rPr lang="en-US" dirty="0" err="1"/>
+              <a:t>reduce_ex</a:t>
+            </a:r>
+            <a:r>
+              <a:rPr lang="en-US" dirty="0"/>
+              <a:t>__’, </a:t>
+            </a:r>
+            <a:br>
+              <a:rPr lang="en-US" dirty="0"/>
+            </a:br>
+            <a:r>
+              <a:rPr lang="en-US" dirty="0"/>
+              <a:t>'__</a:t>
+            </a:r>
+            <a:r>
+              <a:rPr lang="en-US" dirty="0" err="1"/>
+              <a:t>repr</a:t>
+            </a:r>
+            <a:r>
+              <a:rPr lang="en-US" dirty="0"/>
+              <a:t>__’, </a:t>
+            </a:r>
+            <a:br>
+              <a:rPr lang="en-US" dirty="0"/>
+            </a:br>
+            <a:r>
+              <a:rPr lang="en-US" dirty="0"/>
+              <a:t>'__</a:t>
+            </a:r>
+            <a:r>
+              <a:rPr lang="en-US" dirty="0" err="1"/>
+              <a:t>setattr</a:t>
+            </a:r>
+            <a:r>
+              <a:rPr lang="en-US" dirty="0"/>
+              <a:t>__’, </a:t>
+            </a:r>
+            <a:br>
+              <a:rPr lang="en-US" dirty="0"/>
+            </a:br>
+            <a:r>
+              <a:rPr lang="en-US" dirty="0"/>
+              <a:t>'__</a:t>
+            </a:r>
+            <a:r>
+              <a:rPr lang="en-US" dirty="0" err="1"/>
+              <a:t>sizeof</a:t>
+            </a:r>
+            <a:r>
+              <a:rPr lang="en-US" dirty="0"/>
+              <a:t>__’, </a:t>
+            </a:r>
+            <a:br>
+              <a:rPr lang="en-US" dirty="0"/>
+            </a:br>
+            <a:r>
+              <a:rPr lang="en-US" dirty="0"/>
+              <a:t>'__str__’, </a:t>
+            </a:r>
+            <a:br>
+              <a:rPr lang="en-US" dirty="0"/>
+            </a:br>
+            <a:r>
+              <a:rPr lang="en-US" dirty="0"/>
+              <a:t>'__</a:t>
+            </a:r>
+            <a:r>
+              <a:rPr lang="en-US" dirty="0" err="1"/>
+              <a:t>subclasshook</a:t>
+            </a:r>
+            <a:r>
+              <a:rPr lang="en-US" dirty="0"/>
+              <a:t>__'</a:t>
+            </a:r>
           </a:p>
         </p:txBody>
       </p:sp>
@@ -4117,17 +4629,901 @@
         </p:nvSpPr>
         <p:spPr/>
         <p:txBody>
-          <a:bodyPr/>
-          <a:lstStyle/>
-          <a:p>
-            <a:endParaRPr lang="en-US"/>
-          </a:p>
-        </p:txBody>
-      </p:sp>
+          <a:bodyPr>
+            <a:normAutofit fontScale="55000" lnSpcReduction="20000"/>
+          </a:bodyPr>
+          <a:lstStyle/>
+          <a:p>
+            <a:r>
+              <a:rPr lang="en-US" dirty="0"/>
+              <a:t>These methods are called by python to do many operations like sorting or printing</a:t>
+            </a:r>
+          </a:p>
+          <a:p>
+            <a:r>
+              <a:rPr lang="en-US" dirty="0"/>
+              <a:t>You can “overload” or override these methods by defining your own method in a class.</a:t>
+            </a:r>
+          </a:p>
+        </p:txBody>
+      </p:sp>
+      <p:pic>
+        <p:nvPicPr>
+          <p:cNvPr id="6" name="Picture 5">
+            <a:extLst>
+              <a:ext uri="{FF2B5EF4-FFF2-40B4-BE49-F238E27FC236}">
+                <a16:creationId xmlns:a16="http://schemas.microsoft.com/office/drawing/2014/main" id="{BA463DCE-CF7B-51A6-3C41-F1FB289556D9}"/>
+              </a:ext>
+            </a:extLst>
+          </p:cNvPr>
+          <p:cNvPicPr>
+            <a:picLocks noChangeAspect="1"/>
+          </p:cNvPicPr>
+          <p:nvPr/>
+        </p:nvPicPr>
+        <p:blipFill>
+          <a:blip r:embed="rId3"/>
+          <a:stretch>
+            <a:fillRect/>
+          </a:stretch>
+        </p:blipFill>
+        <p:spPr>
+          <a:xfrm>
+            <a:off x="6172200" y="2929398"/>
+            <a:ext cx="4833257" cy="3437446"/>
+          </a:xfrm>
+          <a:prstGeom prst="rect">
+            <a:avLst/>
+          </a:prstGeom>
+        </p:spPr>
+      </p:pic>
     </p:spTree>
     <p:extLst>
       <p:ext uri="{BB962C8B-B14F-4D97-AF65-F5344CB8AC3E}">
         <p14:creationId xmlns:p14="http://schemas.microsoft.com/office/powerpoint/2010/main" val="3986994694"/>
+      </p:ext>
+    </p:extLst>
+  </p:cSld>
+  <p:clrMapOvr>
+    <a:masterClrMapping/>
+  </p:clrMapOvr>
+  <p:timing>
+    <p:tnLst>
+      <p:par>
+        <p:cTn id="1" dur="indefinite" restart="never" nodeType="tmRoot">
+          <p:childTnLst>
+            <p:seq concurrent="1" nextAc="seek">
+              <p:cTn id="2" dur="indefinite" nodeType="mainSeq">
+                <p:childTnLst>
+                  <p:par>
+                    <p:cTn id="3" fill="hold">
+                      <p:stCondLst>
+                        <p:cond delay="indefinite"/>
+                      </p:stCondLst>
+                      <p:childTnLst>
+                        <p:par>
+                          <p:cTn id="4" fill="hold">
+                            <p:stCondLst>
+                              <p:cond delay="0"/>
+                            </p:stCondLst>
+                            <p:childTnLst>
+                              <p:par>
+                                <p:cTn id="5" presetID="1" presetClass="entr" presetSubtype="0" fill="hold" nodeType="clickEffect">
+                                  <p:stCondLst>
+                                    <p:cond delay="0"/>
+                                  </p:stCondLst>
+                                  <p:childTnLst>
+                                    <p:set>
+                                      <p:cBhvr>
+                                        <p:cTn id="6" dur="1" fill="hold">
+                                          <p:stCondLst>
+                                            <p:cond delay="0"/>
+                                          </p:stCondLst>
+                                        </p:cTn>
+                                        <p:tgtEl>
+                                          <p:spTgt spid="6"/>
+                                        </p:tgtEl>
+                                        <p:attrNameLst>
+                                          <p:attrName>style.visibility</p:attrName>
+                                        </p:attrNameLst>
+                                      </p:cBhvr>
+                                      <p:to>
+                                        <p:strVal val="visible"/>
+                                      </p:to>
+                                    </p:set>
+                                  </p:childTnLst>
+                                </p:cTn>
+                              </p:par>
+                              <p:par>
+                                <p:cTn id="7" presetID="1" presetClass="entr" presetSubtype="0" fill="hold" grpId="0" nodeType="withEffect">
+                                  <p:stCondLst>
+                                    <p:cond delay="0"/>
+                                  </p:stCondLst>
+                                  <p:childTnLst>
+                                    <p:set>
+                                      <p:cBhvr>
+                                        <p:cTn id="8" dur="1" fill="hold">
+                                          <p:stCondLst>
+                                            <p:cond delay="0"/>
+                                          </p:stCondLst>
+                                        </p:cTn>
+                                        <p:tgtEl>
+                                          <p:spTgt spid="4">
+                                            <p:txEl>
+                                              <p:pRg st="0" end="0"/>
+                                            </p:txEl>
+                                          </p:spTgt>
+                                        </p:tgtEl>
+                                        <p:attrNameLst>
+                                          <p:attrName>style.visibility</p:attrName>
+                                        </p:attrNameLst>
+                                      </p:cBhvr>
+                                      <p:to>
+                                        <p:strVal val="visible"/>
+                                      </p:to>
+                                    </p:set>
+                                  </p:childTnLst>
+                                </p:cTn>
+                              </p:par>
+                              <p:par>
+                                <p:cTn id="9" presetID="1" presetClass="entr" presetSubtype="0" fill="hold" grpId="0" nodeType="withEffect">
+                                  <p:stCondLst>
+                                    <p:cond delay="0"/>
+                                  </p:stCondLst>
+                                  <p:childTnLst>
+                                    <p:set>
+                                      <p:cBhvr>
+                                        <p:cTn id="10" dur="1" fill="hold">
+                                          <p:stCondLst>
+                                            <p:cond delay="0"/>
+                                          </p:stCondLst>
+                                        </p:cTn>
+                                        <p:tgtEl>
+                                          <p:spTgt spid="4">
+                                            <p:txEl>
+                                              <p:pRg st="1" end="1"/>
+                                            </p:txEl>
+                                          </p:spTgt>
+                                        </p:tgtEl>
+                                        <p:attrNameLst>
+                                          <p:attrName>style.visibility</p:attrName>
+                                        </p:attrNameLst>
+                                      </p:cBhvr>
+                                      <p:to>
+                                        <p:strVal val="visible"/>
+                                      </p:to>
+                                    </p:set>
+                                  </p:childTnLst>
+                                </p:cTn>
+                              </p:par>
+                            </p:childTnLst>
+                          </p:cTn>
+                        </p:par>
+                      </p:childTnLst>
+                    </p:cTn>
+                  </p:par>
+                </p:childTnLst>
+              </p:cTn>
+              <p:prevCondLst>
+                <p:cond evt="onPrev" delay="0">
+                  <p:tgtEl>
+                    <p:sldTgt/>
+                  </p:tgtEl>
+                </p:cond>
+              </p:prevCondLst>
+              <p:nextCondLst>
+                <p:cond evt="onNext" delay="0">
+                  <p:tgtEl>
+                    <p:sldTgt/>
+                  </p:tgtEl>
+                </p:cond>
+              </p:nextCondLst>
+            </p:seq>
+          </p:childTnLst>
+        </p:cTn>
+      </p:par>
+    </p:tnLst>
+    <p:bldLst>
+      <p:bldP spid="4" grpId="0" uiExpand="1" build="p"/>
+    </p:bldLst>
+  </p:timing>
+</p:sld>
+</file>
+
+<file path=ppt/slides/slide11.xml><?xml version="1.0" encoding="utf-8"?>
+<p:sld xmlns:a="http://schemas.openxmlformats.org/drawingml/2006/main" xmlns:r="http://schemas.openxmlformats.org/officeDocument/2006/relationships" xmlns:p="http://schemas.openxmlformats.org/presentationml/2006/main" show="0">
+  <p:cSld>
+    <p:spTree>
+      <p:nvGrpSpPr>
+        <p:cNvPr id="1" name=""/>
+        <p:cNvGrpSpPr/>
+        <p:nvPr/>
+      </p:nvGrpSpPr>
+      <p:grpSpPr>
+        <a:xfrm>
+          <a:off x="0" y="0"/>
+          <a:ext cx="0" cy="0"/>
+          <a:chOff x="0" y="0"/>
+          <a:chExt cx="0" cy="0"/>
+        </a:xfrm>
+      </p:grpSpPr>
+      <p:sp>
+        <p:nvSpPr>
+          <p:cNvPr id="2" name="Title 1">
+            <a:extLst>
+              <a:ext uri="{FF2B5EF4-FFF2-40B4-BE49-F238E27FC236}">
+                <a16:creationId xmlns:a16="http://schemas.microsoft.com/office/drawing/2014/main" id="{7C501EF8-21DC-82AA-DD06-75DA1D64CCF3}"/>
+              </a:ext>
+            </a:extLst>
+          </p:cNvPr>
+          <p:cNvSpPr>
+            <a:spLocks noGrp="1"/>
+          </p:cNvSpPr>
+          <p:nvPr>
+            <p:ph type="title"/>
+          </p:nvPr>
+        </p:nvSpPr>
+        <p:spPr/>
+        <p:txBody>
+          <a:bodyPr/>
+          <a:lstStyle/>
+          <a:p>
+            <a:r>
+              <a:rPr lang="en-US" dirty="0"/>
+              <a:t>Other Magic Methods</a:t>
+            </a:r>
+          </a:p>
+        </p:txBody>
+      </p:sp>
+      <p:sp>
+        <p:nvSpPr>
+          <p:cNvPr id="4" name="Content Placeholder 3">
+            <a:extLst>
+              <a:ext uri="{FF2B5EF4-FFF2-40B4-BE49-F238E27FC236}">
+                <a16:creationId xmlns:a16="http://schemas.microsoft.com/office/drawing/2014/main" id="{066A4682-84FB-59AA-9013-2AB0962421B1}"/>
+              </a:ext>
+            </a:extLst>
+          </p:cNvPr>
+          <p:cNvSpPr>
+            <a:spLocks noGrp="1"/>
+          </p:cNvSpPr>
+          <p:nvPr>
+            <p:ph sz="half" idx="1"/>
+          </p:nvPr>
+        </p:nvSpPr>
+        <p:spPr/>
+        <p:txBody>
+          <a:bodyPr>
+            <a:normAutofit lnSpcReduction="10000"/>
+          </a:bodyPr>
+          <a:lstStyle/>
+          <a:p>
+            <a:r>
+              <a:rPr lang="en-US" dirty="0"/>
+              <a:t>Initialization &amp; Representation</a:t>
+            </a:r>
+          </a:p>
+          <a:p>
+            <a:pPr lvl="1"/>
+            <a:r>
+              <a:rPr lang="en-US" dirty="0"/>
+              <a:t>__</a:t>
+            </a:r>
+            <a:r>
+              <a:rPr lang="en-US" dirty="0" err="1"/>
+              <a:t>init</a:t>
+            </a:r>
+            <a:r>
+              <a:rPr lang="en-US" dirty="0"/>
+              <a:t>__ (the constructor)</a:t>
+            </a:r>
+          </a:p>
+          <a:p>
+            <a:pPr lvl="1"/>
+            <a:r>
+              <a:rPr lang="en-US" dirty="0"/>
+              <a:t>__str__  (used by print)</a:t>
+            </a:r>
+          </a:p>
+          <a:p>
+            <a:pPr lvl="1"/>
+            <a:r>
+              <a:rPr lang="en-US" dirty="0"/>
+              <a:t>__</a:t>
+            </a:r>
+            <a:r>
+              <a:rPr lang="en-US" dirty="0" err="1"/>
+              <a:t>repr</a:t>
+            </a:r>
+            <a:r>
+              <a:rPr lang="en-US" dirty="0"/>
+              <a:t>__ (official representation)</a:t>
+            </a:r>
+          </a:p>
+          <a:p>
+            <a:r>
+              <a:rPr lang="en-US" dirty="0"/>
+              <a:t>Comparison</a:t>
+            </a:r>
+          </a:p>
+          <a:p>
+            <a:pPr lvl="1"/>
+            <a:r>
+              <a:rPr lang="en-US" dirty="0"/>
+              <a:t>__eq__ (==)</a:t>
+            </a:r>
+          </a:p>
+          <a:p>
+            <a:pPr lvl="1"/>
+            <a:r>
+              <a:rPr lang="en-US" dirty="0"/>
+              <a:t>__ne__ (!=)</a:t>
+            </a:r>
+          </a:p>
+          <a:p>
+            <a:pPr lvl="1"/>
+            <a:r>
+              <a:rPr lang="en-US" dirty="0"/>
+              <a:t>__</a:t>
+            </a:r>
+            <a:r>
+              <a:rPr lang="en-US" dirty="0" err="1"/>
+              <a:t>lt</a:t>
+            </a:r>
+            <a:r>
+              <a:rPr lang="en-US" dirty="0"/>
+              <a:t>__ (&lt;)</a:t>
+            </a:r>
+          </a:p>
+          <a:p>
+            <a:pPr lvl="1"/>
+            <a:r>
+              <a:rPr lang="en-US" dirty="0"/>
+              <a:t>__le__ (&lt;=)</a:t>
+            </a:r>
+          </a:p>
+          <a:p>
+            <a:pPr lvl="1"/>
+            <a:r>
+              <a:rPr lang="en-US" dirty="0"/>
+              <a:t>__</a:t>
+            </a:r>
+            <a:r>
+              <a:rPr lang="en-US" dirty="0" err="1"/>
+              <a:t>gt</a:t>
+            </a:r>
+            <a:r>
+              <a:rPr lang="en-US" dirty="0"/>
+              <a:t>__ (&gt;)</a:t>
+            </a:r>
+          </a:p>
+          <a:p>
+            <a:pPr lvl="1"/>
+            <a:r>
+              <a:rPr lang="en-US" dirty="0"/>
+              <a:t>__</a:t>
+            </a:r>
+            <a:r>
+              <a:rPr lang="en-US" dirty="0" err="1"/>
+              <a:t>ge</a:t>
+            </a:r>
+            <a:r>
+              <a:rPr lang="en-US" dirty="0"/>
+              <a:t>__ (&gt;=)</a:t>
+            </a:r>
+          </a:p>
+        </p:txBody>
+      </p:sp>
+      <p:sp>
+        <p:nvSpPr>
+          <p:cNvPr id="5" name="Content Placeholder 4">
+            <a:extLst>
+              <a:ext uri="{FF2B5EF4-FFF2-40B4-BE49-F238E27FC236}">
+                <a16:creationId xmlns:a16="http://schemas.microsoft.com/office/drawing/2014/main" id="{67680F7C-6060-97C4-9F72-B375F95C9EDF}"/>
+              </a:ext>
+            </a:extLst>
+          </p:cNvPr>
+          <p:cNvSpPr>
+            <a:spLocks noGrp="1"/>
+          </p:cNvSpPr>
+          <p:nvPr>
+            <p:ph sz="half" idx="2"/>
+          </p:nvPr>
+        </p:nvSpPr>
+        <p:spPr/>
+        <p:txBody>
+          <a:bodyPr>
+            <a:normAutofit lnSpcReduction="10000"/>
+          </a:bodyPr>
+          <a:lstStyle/>
+          <a:p>
+            <a:r>
+              <a:rPr lang="en-US" dirty="0"/>
+              <a:t>Arithmetic</a:t>
+            </a:r>
+          </a:p>
+          <a:p>
+            <a:pPr lvl="1"/>
+            <a:r>
+              <a:rPr lang="en-US" dirty="0"/>
+              <a:t>__add__ (+)</a:t>
+            </a:r>
+          </a:p>
+          <a:p>
+            <a:pPr lvl="1"/>
+            <a:r>
+              <a:rPr lang="en-US" dirty="0"/>
+              <a:t>__sub__ (-)</a:t>
+            </a:r>
+          </a:p>
+          <a:p>
+            <a:pPr lvl="1"/>
+            <a:r>
+              <a:rPr lang="en-US" dirty="0"/>
+              <a:t>__</a:t>
+            </a:r>
+            <a:r>
+              <a:rPr lang="en-US" dirty="0" err="1"/>
+              <a:t>mul</a:t>
+            </a:r>
+            <a:r>
+              <a:rPr lang="en-US" dirty="0"/>
+              <a:t>__ (*)</a:t>
+            </a:r>
+          </a:p>
+          <a:p>
+            <a:pPr lvl="1"/>
+            <a:r>
+              <a:rPr lang="en-US" dirty="0"/>
+              <a:t>__</a:t>
+            </a:r>
+            <a:r>
+              <a:rPr lang="en-US" dirty="0" err="1"/>
+              <a:t>truediv</a:t>
+            </a:r>
+            <a:r>
+              <a:rPr lang="en-US" dirty="0"/>
+              <a:t>__ (/)</a:t>
+            </a:r>
+          </a:p>
+          <a:p>
+            <a:pPr lvl="1"/>
+            <a:r>
+              <a:rPr lang="en-US" dirty="0"/>
+              <a:t>__</a:t>
+            </a:r>
+            <a:r>
+              <a:rPr lang="en-US" dirty="0" err="1"/>
+              <a:t>floordiv</a:t>
+            </a:r>
+            <a:r>
+              <a:rPr lang="en-US" dirty="0"/>
+              <a:t>__ (//)</a:t>
+            </a:r>
+          </a:p>
+          <a:p>
+            <a:pPr lvl="1"/>
+            <a:r>
+              <a:rPr lang="en-US" dirty="0"/>
+              <a:t>__mod__ (%)</a:t>
+            </a:r>
+          </a:p>
+          <a:p>
+            <a:pPr lvl="1"/>
+            <a:r>
+              <a:rPr lang="en-US" dirty="0"/>
+              <a:t>__pow__ (**)</a:t>
+            </a:r>
+          </a:p>
+          <a:p>
+            <a:r>
+              <a:rPr lang="en-US" dirty="0"/>
+              <a:t>Container</a:t>
+            </a:r>
+          </a:p>
+          <a:p>
+            <a:pPr lvl="1"/>
+            <a:r>
+              <a:rPr lang="en-US" dirty="0"/>
+              <a:t>__</a:t>
+            </a:r>
+            <a:r>
+              <a:rPr lang="en-US" dirty="0" err="1"/>
+              <a:t>len</a:t>
+            </a:r>
+            <a:r>
+              <a:rPr lang="en-US" dirty="0"/>
+              <a:t>__</a:t>
+            </a:r>
+          </a:p>
+          <a:p>
+            <a:r>
+              <a:rPr lang="en-US" dirty="0"/>
+              <a:t>And many more!</a:t>
+            </a:r>
+          </a:p>
+        </p:txBody>
+      </p:sp>
+    </p:spTree>
+    <p:extLst>
+      <p:ext uri="{BB962C8B-B14F-4D97-AF65-F5344CB8AC3E}">
+        <p14:creationId xmlns:p14="http://schemas.microsoft.com/office/powerpoint/2010/main" val="205351270"/>
+      </p:ext>
+    </p:extLst>
+  </p:cSld>
+  <p:clrMapOvr>
+    <a:masterClrMapping/>
+  </p:clrMapOvr>
+</p:sld>
+</file>
+
+<file path=ppt/slides/slide12.xml><?xml version="1.0" encoding="utf-8"?>
+<p:sld xmlns:a="http://schemas.openxmlformats.org/drawingml/2006/main" xmlns:r="http://schemas.openxmlformats.org/officeDocument/2006/relationships" xmlns:p="http://schemas.openxmlformats.org/presentationml/2006/main">
+  <p:cSld>
+    <p:spTree>
+      <p:nvGrpSpPr>
+        <p:cNvPr id="1" name=""/>
+        <p:cNvGrpSpPr/>
+        <p:nvPr/>
+      </p:nvGrpSpPr>
+      <p:grpSpPr>
+        <a:xfrm>
+          <a:off x="0" y="0"/>
+          <a:ext cx="0" cy="0"/>
+          <a:chOff x="0" y="0"/>
+          <a:chExt cx="0" cy="0"/>
+        </a:xfrm>
+      </p:grpSpPr>
+      <p:sp>
+        <p:nvSpPr>
+          <p:cNvPr id="2" name="Title 1">
+            <a:extLst>
+              <a:ext uri="{FF2B5EF4-FFF2-40B4-BE49-F238E27FC236}">
+                <a16:creationId xmlns:a16="http://schemas.microsoft.com/office/drawing/2014/main" id="{27667245-B9ED-F8C8-796D-18FED3A36B0B}"/>
+              </a:ext>
+            </a:extLst>
+          </p:cNvPr>
+          <p:cNvSpPr>
+            <a:spLocks noGrp="1"/>
+          </p:cNvSpPr>
+          <p:nvPr>
+            <p:ph type="title"/>
+          </p:nvPr>
+        </p:nvSpPr>
+        <p:spPr/>
+        <p:txBody>
+          <a:bodyPr/>
+          <a:lstStyle/>
+          <a:p>
+            <a:r>
+              <a:rPr lang="en-US" dirty="0"/>
+              <a:t>Hands-On #2</a:t>
+            </a:r>
+          </a:p>
+        </p:txBody>
+      </p:sp>
+      <p:sp>
+        <p:nvSpPr>
+          <p:cNvPr id="3" name="Content Placeholder 2">
+            <a:extLst>
+              <a:ext uri="{FF2B5EF4-FFF2-40B4-BE49-F238E27FC236}">
+                <a16:creationId xmlns:a16="http://schemas.microsoft.com/office/drawing/2014/main" id="{3F0F311B-654A-9038-72A8-653A37CDA2F8}"/>
+              </a:ext>
+            </a:extLst>
+          </p:cNvPr>
+          <p:cNvSpPr>
+            <a:spLocks noGrp="1"/>
+          </p:cNvSpPr>
+          <p:nvPr>
+            <p:ph sz="half" idx="1"/>
+          </p:nvPr>
+        </p:nvSpPr>
+        <p:spPr/>
+        <p:txBody>
+          <a:bodyPr/>
+          <a:lstStyle/>
+          <a:p>
+            <a:r>
+              <a:rPr lang="en-US" dirty="0"/>
+              <a:t>Create your own Planet class</a:t>
+            </a:r>
+          </a:p>
+        </p:txBody>
+      </p:sp>
+      <p:sp>
+        <p:nvSpPr>
+          <p:cNvPr id="4" name="Content Placeholder 3">
+            <a:extLst>
+              <a:ext uri="{FF2B5EF4-FFF2-40B4-BE49-F238E27FC236}">
+                <a16:creationId xmlns:a16="http://schemas.microsoft.com/office/drawing/2014/main" id="{77B2263C-9B5F-81F9-30E5-C26680A6193D}"/>
+              </a:ext>
+            </a:extLst>
+          </p:cNvPr>
+          <p:cNvSpPr>
+            <a:spLocks noGrp="1"/>
+          </p:cNvSpPr>
+          <p:nvPr>
+            <p:ph sz="half" idx="2"/>
+          </p:nvPr>
+        </p:nvSpPr>
+        <p:spPr/>
+        <p:txBody>
+          <a:bodyPr/>
+          <a:lstStyle/>
+          <a:p>
+            <a:endParaRPr lang="en-US"/>
+          </a:p>
+        </p:txBody>
+      </p:sp>
+    </p:spTree>
+    <p:extLst>
+      <p:ext uri="{BB962C8B-B14F-4D97-AF65-F5344CB8AC3E}">
+        <p14:creationId xmlns:p14="http://schemas.microsoft.com/office/powerpoint/2010/main" val="2920448813"/>
+      </p:ext>
+    </p:extLst>
+  </p:cSld>
+  <p:clrMapOvr>
+    <a:masterClrMapping/>
+  </p:clrMapOvr>
+</p:sld>
+</file>
+
+<file path=ppt/slides/slide13.xml><?xml version="1.0" encoding="utf-8"?>
+<p:sld xmlns:a="http://schemas.openxmlformats.org/drawingml/2006/main" xmlns:r="http://schemas.openxmlformats.org/officeDocument/2006/relationships" xmlns:p="http://schemas.openxmlformats.org/presentationml/2006/main">
+  <p:cSld>
+    <p:spTree>
+      <p:nvGrpSpPr>
+        <p:cNvPr id="1" name=""/>
+        <p:cNvGrpSpPr/>
+        <p:nvPr/>
+      </p:nvGrpSpPr>
+      <p:grpSpPr>
+        <a:xfrm>
+          <a:off x="0" y="0"/>
+          <a:ext cx="0" cy="0"/>
+          <a:chOff x="0" y="0"/>
+          <a:chExt cx="0" cy="0"/>
+        </a:xfrm>
+      </p:grpSpPr>
+      <p:sp>
+        <p:nvSpPr>
+          <p:cNvPr id="2" name="Title 1">
+            <a:extLst>
+              <a:ext uri="{FF2B5EF4-FFF2-40B4-BE49-F238E27FC236}">
+                <a16:creationId xmlns:a16="http://schemas.microsoft.com/office/drawing/2014/main" id="{9D23FF80-2958-3B41-1B0E-0B01E4A0A669}"/>
+              </a:ext>
+            </a:extLst>
+          </p:cNvPr>
+          <p:cNvSpPr>
+            <a:spLocks noGrp="1"/>
+          </p:cNvSpPr>
+          <p:nvPr>
+            <p:ph type="title"/>
+          </p:nvPr>
+        </p:nvSpPr>
+        <p:spPr/>
+        <p:txBody>
+          <a:bodyPr/>
+          <a:lstStyle/>
+          <a:p>
+            <a:r>
+              <a:rPr lang="en-US" dirty="0"/>
+              <a:t>Final</a:t>
+            </a:r>
+          </a:p>
+        </p:txBody>
+      </p:sp>
+      <p:sp>
+        <p:nvSpPr>
+          <p:cNvPr id="3" name="Content Placeholder 2">
+            <a:extLst>
+              <a:ext uri="{FF2B5EF4-FFF2-40B4-BE49-F238E27FC236}">
+                <a16:creationId xmlns:a16="http://schemas.microsoft.com/office/drawing/2014/main" id="{E2091278-9DB9-4C3A-C328-B97AC5ADD3FA}"/>
+              </a:ext>
+            </a:extLst>
+          </p:cNvPr>
+          <p:cNvSpPr>
+            <a:spLocks noGrp="1"/>
+          </p:cNvSpPr>
+          <p:nvPr>
+            <p:ph sz="half" idx="1"/>
+          </p:nvPr>
+        </p:nvSpPr>
+        <p:spPr/>
+        <p:txBody>
+          <a:bodyPr/>
+          <a:lstStyle/>
+          <a:p>
+            <a:r>
+              <a:rPr lang="en-US" dirty="0"/>
+              <a:t>Create a Player class</a:t>
+            </a:r>
+          </a:p>
+          <a:p>
+            <a:r>
+              <a:rPr lang="en-US" dirty="0"/>
+              <a:t>Build the </a:t>
+            </a:r>
+            <a:r>
+              <a:rPr lang="en-US"/>
+              <a:t>terminal instructions for the game!</a:t>
+            </a:r>
+            <a:endParaRPr lang="en-US" dirty="0"/>
+          </a:p>
+        </p:txBody>
+      </p:sp>
+      <p:sp>
+        <p:nvSpPr>
+          <p:cNvPr id="4" name="Content Placeholder 3">
+            <a:extLst>
+              <a:ext uri="{FF2B5EF4-FFF2-40B4-BE49-F238E27FC236}">
+                <a16:creationId xmlns:a16="http://schemas.microsoft.com/office/drawing/2014/main" id="{FC4D84A0-522E-5AB7-06AF-04DFAEF75222}"/>
+              </a:ext>
+            </a:extLst>
+          </p:cNvPr>
+          <p:cNvSpPr>
+            <a:spLocks noGrp="1"/>
+          </p:cNvSpPr>
+          <p:nvPr>
+            <p:ph sz="half" idx="2"/>
+          </p:nvPr>
+        </p:nvSpPr>
+        <p:spPr/>
+        <p:txBody>
+          <a:bodyPr/>
+          <a:lstStyle/>
+          <a:p>
+            <a:endParaRPr lang="en-US"/>
+          </a:p>
+        </p:txBody>
+      </p:sp>
+    </p:spTree>
+    <p:extLst>
+      <p:ext uri="{BB962C8B-B14F-4D97-AF65-F5344CB8AC3E}">
+        <p14:creationId xmlns:p14="http://schemas.microsoft.com/office/powerpoint/2010/main" val="1699781078"/>
+      </p:ext>
+    </p:extLst>
+  </p:cSld>
+  <p:clrMapOvr>
+    <a:masterClrMapping/>
+  </p:clrMapOvr>
+</p:sld>
+</file>
+
+<file path=ppt/slides/slide14.xml><?xml version="1.0" encoding="utf-8"?>
+<p:sld xmlns:a="http://schemas.openxmlformats.org/drawingml/2006/main" xmlns:r="http://schemas.openxmlformats.org/officeDocument/2006/relationships" xmlns:p="http://schemas.openxmlformats.org/presentationml/2006/main" show="0">
+  <p:cSld>
+    <p:spTree>
+      <p:nvGrpSpPr>
+        <p:cNvPr id="1" name="">
+          <a:extLst>
+            <a:ext uri="{FF2B5EF4-FFF2-40B4-BE49-F238E27FC236}">
+              <a16:creationId xmlns:a16="http://schemas.microsoft.com/office/drawing/2014/main" id="{58E125A5-5436-DD96-1370-73C3798962D3}"/>
+            </a:ext>
+          </a:extLst>
+        </p:cNvPr>
+        <p:cNvGrpSpPr/>
+        <p:nvPr/>
+      </p:nvGrpSpPr>
+      <p:grpSpPr>
+        <a:xfrm>
+          <a:off x="0" y="0"/>
+          <a:ext cx="0" cy="0"/>
+          <a:chOff x="0" y="0"/>
+          <a:chExt cx="0" cy="0"/>
+        </a:xfrm>
+      </p:grpSpPr>
+      <p:sp>
+        <p:nvSpPr>
+          <p:cNvPr id="2" name="Title 1">
+            <a:extLst>
+              <a:ext uri="{FF2B5EF4-FFF2-40B4-BE49-F238E27FC236}">
+                <a16:creationId xmlns:a16="http://schemas.microsoft.com/office/drawing/2014/main" id="{D6FF3B77-E794-2112-3E9C-59A7C596B92E}"/>
+              </a:ext>
+            </a:extLst>
+          </p:cNvPr>
+          <p:cNvSpPr>
+            <a:spLocks noGrp="1"/>
+          </p:cNvSpPr>
+          <p:nvPr>
+            <p:ph type="title"/>
+          </p:nvPr>
+        </p:nvSpPr>
+        <p:spPr/>
+        <p:txBody>
+          <a:bodyPr/>
+          <a:lstStyle/>
+          <a:p>
+            <a:r>
+              <a:rPr lang="en-US" dirty="0"/>
+              <a:t>Inheritance</a:t>
+            </a:r>
+          </a:p>
+        </p:txBody>
+      </p:sp>
+      <p:sp>
+        <p:nvSpPr>
+          <p:cNvPr id="3" name="Content Placeholder 2">
+            <a:extLst>
+              <a:ext uri="{FF2B5EF4-FFF2-40B4-BE49-F238E27FC236}">
+                <a16:creationId xmlns:a16="http://schemas.microsoft.com/office/drawing/2014/main" id="{AE616AA4-23DE-E654-F8E9-463AD749CE3A}"/>
+              </a:ext>
+            </a:extLst>
+          </p:cNvPr>
+          <p:cNvSpPr>
+            <a:spLocks noGrp="1"/>
+          </p:cNvSpPr>
+          <p:nvPr>
+            <p:ph sz="half" idx="1"/>
+          </p:nvPr>
+        </p:nvSpPr>
+        <p:spPr/>
+        <p:txBody>
+          <a:bodyPr/>
+          <a:lstStyle/>
+          <a:p>
+            <a:r>
+              <a:rPr lang="en-US" dirty="0"/>
+              <a:t>Classes can inherit from other classes</a:t>
+            </a:r>
+          </a:p>
+          <a:p>
+            <a:r>
+              <a:rPr lang="en-US" dirty="0"/>
+              <a:t>Receives all those classes properties and methods</a:t>
+            </a:r>
+          </a:p>
+          <a:p>
+            <a:r>
+              <a:rPr lang="en-US" dirty="0"/>
+              <a:t>Can overwrite properties / methods with your own</a:t>
+            </a:r>
+          </a:p>
+          <a:p>
+            <a:r>
+              <a:rPr lang="en-US" dirty="0"/>
+              <a:t>All classes inherit from </a:t>
+            </a:r>
+            <a:r>
+              <a:rPr lang="en-US" i="1" dirty="0"/>
+              <a:t>object</a:t>
+            </a:r>
+          </a:p>
+        </p:txBody>
+      </p:sp>
+      <p:pic>
+        <p:nvPicPr>
+          <p:cNvPr id="6" name="Content Placeholder 5">
+            <a:extLst>
+              <a:ext uri="{FF2B5EF4-FFF2-40B4-BE49-F238E27FC236}">
+                <a16:creationId xmlns:a16="http://schemas.microsoft.com/office/drawing/2014/main" id="{0022EF7F-1B87-E82A-ECFC-13AE0B39FCE2}"/>
+              </a:ext>
+            </a:extLst>
+          </p:cNvPr>
+          <p:cNvPicPr>
+            <a:picLocks noGrp="1" noChangeAspect="1"/>
+          </p:cNvPicPr>
+          <p:nvPr>
+            <p:ph sz="half" idx="2"/>
+          </p:nvPr>
+        </p:nvPicPr>
+        <p:blipFill>
+          <a:blip r:embed="rId3"/>
+          <a:stretch>
+            <a:fillRect/>
+          </a:stretch>
+        </p:blipFill>
+        <p:spPr>
+          <a:xfrm>
+            <a:off x="6172202" y="1027906"/>
+            <a:ext cx="5245282" cy="4753987"/>
+          </a:xfrm>
+        </p:spPr>
+      </p:pic>
+    </p:spTree>
+    <p:extLst>
+      <p:ext uri="{BB962C8B-B14F-4D97-AF65-F5344CB8AC3E}">
+        <p14:creationId xmlns:p14="http://schemas.microsoft.com/office/powerpoint/2010/main" val="2541685285"/>
       </p:ext>
     </p:extLst>
   </p:cSld>
@@ -4316,6 +5712,15 @@
             <a:r>
               <a:rPr lang="en-US" dirty="0"/>
               <a:t>Seems like a good way to model software</a:t>
+            </a:r>
+          </a:p>
+          <a:p>
+            <a:endParaRPr lang="en-US" dirty="0"/>
+          </a:p>
+          <a:p>
+            <a:r>
+              <a:rPr lang="en-US" dirty="0"/>
+              <a:t>Encapsulation – hiding complexity behind an interface</a:t>
             </a:r>
           </a:p>
         </p:txBody>
@@ -4679,8 +6084,22 @@
           <a:lstStyle/>
           <a:p>
             <a:r>
-              <a:rPr lang="en-US" dirty="0"/>
-              <a:t>Classes can have their own properties and methods as well</a:t>
+              <a:rPr lang="en-US" i="1" dirty="0"/>
+              <a:t>Classes</a:t>
+            </a:r>
+            <a:r>
+              <a:rPr lang="en-US" dirty="0"/>
+              <a:t> can have their own properties and methods</a:t>
+            </a:r>
+          </a:p>
+          <a:p>
+            <a:r>
+              <a:rPr lang="en-US" i="1" dirty="0"/>
+              <a:t>Instances</a:t>
+            </a:r>
+            <a:r>
+              <a:rPr lang="en-US" dirty="0"/>
+              <a:t> can have their own properties and methods</a:t>
             </a:r>
           </a:p>
           <a:p>
@@ -4953,7 +6372,10 @@
           <a:bodyPr/>
           <a:lstStyle/>
           <a:p>
-            <a:endParaRPr lang="en-US"/>
+            <a:r>
+              <a:rPr lang="en-US" dirty="0"/>
+              <a:t>Create a Spacecraft class</a:t>
+            </a:r>
           </a:p>
         </p:txBody>
       </p:sp>
@@ -5035,7 +6457,7 @@
           <a:p>
             <a:r>
               <a:rPr lang="en-US" dirty="0"/>
-              <a:t>Inheritance</a:t>
+              <a:t>Polymorphism</a:t>
             </a:r>
           </a:p>
         </p:txBody>
@@ -5063,39 +6485,29 @@
           <a:p>
             <a:r>
               <a:rPr lang="en-US" dirty="0"/>
-              <a:t>Classes can inherit from other classes</a:t>
-            </a:r>
-          </a:p>
-          <a:p>
-            <a:r>
-              <a:rPr lang="en-US" dirty="0"/>
-              <a:t>Receives all those classes properties and methods</a:t>
-            </a:r>
-          </a:p>
-          <a:p>
-            <a:r>
-              <a:rPr lang="en-US" dirty="0"/>
-              <a:t>Can overwrite properties / methods with your own</a:t>
-            </a:r>
-          </a:p>
-          <a:p>
-            <a:r>
-              <a:rPr lang="en-US" dirty="0"/>
-              <a:t>All classes inherit from </a:t>
-            </a:r>
-            <a:r>
-              <a:rPr lang="en-US" i="1" dirty="0"/>
-              <a:t>object</a:t>
-            </a:r>
+              <a:t>One interface that accepts multiple types</a:t>
+            </a:r>
+          </a:p>
+          <a:p>
+            <a:r>
+              <a:rPr lang="en-US" dirty="0"/>
+              <a:t>Can you think of any that we’ve used?</a:t>
+            </a:r>
+          </a:p>
+          <a:p>
+            <a:endParaRPr lang="en-US" dirty="0"/>
+          </a:p>
+          <a:p>
+            <a:endParaRPr lang="en-US" dirty="0"/>
           </a:p>
         </p:txBody>
       </p:sp>
       <p:pic>
         <p:nvPicPr>
-          <p:cNvPr id="6" name="Content Placeholder 5">
-            <a:extLst>
-              <a:ext uri="{FF2B5EF4-FFF2-40B4-BE49-F238E27FC236}">
-                <a16:creationId xmlns:a16="http://schemas.microsoft.com/office/drawing/2014/main" id="{4E638866-2653-92E6-0DDF-813709127C87}"/>
+          <p:cNvPr id="8" name="Content Placeholder 7">
+            <a:extLst>
+              <a:ext uri="{FF2B5EF4-FFF2-40B4-BE49-F238E27FC236}">
+                <a16:creationId xmlns:a16="http://schemas.microsoft.com/office/drawing/2014/main" id="{D212F224-256C-C204-6FAB-AA2D96A7E15C}"/>
               </a:ext>
             </a:extLst>
           </p:cNvPr>
@@ -5114,8 +6526,8 @@
         </p:blipFill>
         <p:spPr>
           <a:xfrm>
-            <a:off x="6172202" y="1027906"/>
-            <a:ext cx="5245282" cy="4753987"/>
+            <a:off x="6838149" y="2769120"/>
+            <a:ext cx="3824000" cy="1441837"/>
           </a:xfrm>
         </p:spPr>
       </p:pic>
@@ -5129,6 +6541,81 @@
   <p:clrMapOvr>
     <a:masterClrMapping/>
   </p:clrMapOvr>
+  <p:timing>
+    <p:tnLst>
+      <p:par>
+        <p:cTn id="1" dur="indefinite" restart="never" nodeType="tmRoot">
+          <p:childTnLst>
+            <p:seq concurrent="1" nextAc="seek">
+              <p:cTn id="2" dur="indefinite" nodeType="mainSeq">
+                <p:childTnLst>
+                  <p:par>
+                    <p:cTn id="3" fill="hold">
+                      <p:stCondLst>
+                        <p:cond delay="indefinite"/>
+                      </p:stCondLst>
+                      <p:childTnLst>
+                        <p:par>
+                          <p:cTn id="4" fill="hold">
+                            <p:stCondLst>
+                              <p:cond delay="0"/>
+                            </p:stCondLst>
+                            <p:childTnLst>
+                              <p:par>
+                                <p:cTn id="5" presetID="1" presetClass="entr" presetSubtype="0" fill="hold" nodeType="clickEffect">
+                                  <p:stCondLst>
+                                    <p:cond delay="0"/>
+                                  </p:stCondLst>
+                                  <p:childTnLst>
+                                    <p:set>
+                                      <p:cBhvr>
+                                        <p:cTn id="6" dur="1" fill="hold">
+                                          <p:stCondLst>
+                                            <p:cond delay="0"/>
+                                          </p:stCondLst>
+                                        </p:cTn>
+                                        <p:tgtEl>
+                                          <p:spTgt spid="8"/>
+                                        </p:tgtEl>
+                                        <p:attrNameLst>
+                                          <p:attrName>style.visibility</p:attrName>
+                                        </p:attrNameLst>
+                                      </p:cBhvr>
+                                      <p:to>
+                                        <p:strVal val="visible"/>
+                                      </p:to>
+                                    </p:set>
+                                  </p:childTnLst>
+                                </p:cTn>
+                              </p:par>
+                            </p:childTnLst>
+                          </p:cTn>
+                        </p:par>
+                      </p:childTnLst>
+                    </p:cTn>
+                  </p:par>
+                </p:childTnLst>
+              </p:cTn>
+              <p:prevCondLst>
+                <p:cond evt="onPrev" delay="0">
+                  <p:tgtEl>
+                    <p:sldTgt/>
+                  </p:tgtEl>
+                </p:cond>
+              </p:prevCondLst>
+              <p:nextCondLst>
+                <p:cond evt="onNext" delay="0">
+                  <p:tgtEl>
+                    <p:sldTgt/>
+                  </p:tgtEl>
+                </p:cond>
+              </p:nextCondLst>
+            </p:seq>
+          </p:childTnLst>
+        </p:cTn>
+      </p:par>
+    </p:tnLst>
+  </p:timing>
 </p:sld>
 </file>
 

--- a/lesson06/Classes/Classes.pptx
+++ b/lesson06/Classes/Classes.pptx
@@ -5342,13 +5342,8 @@
           <a:p>
             <a:r>
               <a:rPr lang="en-US" dirty="0"/>
-              <a:t>Build the </a:t>
-            </a:r>
-            <a:r>
-              <a:rPr lang="en-US"/>
-              <a:t>terminal instructions for the game!</a:t>
-            </a:r>
-            <a:endParaRPr lang="en-US" dirty="0"/>
+              <a:t>Build the terminal instructions for the game!</a:t>
+            </a:r>
           </a:p>
         </p:txBody>
       </p:sp>
